--- a/.github/common/PowerPoint_600jaar_template.pptx
+++ b/.github/common/PowerPoint_600jaar_template.pptx
@@ -2270,35 +2270,35 @@
           <a:p>
             <a:pPr lvl="0"/>
             <a:r>
-              <a:rPr lang="nl-NL"/>
+              <a:rPr lang="nl-NL" dirty="0"/>
               <a:t>Klik om de tekststijl van het model te bewerken</a:t>
             </a:r>
           </a:p>
           <a:p>
             <a:pPr lvl="1"/>
             <a:r>
-              <a:rPr lang="nl-NL"/>
+              <a:rPr lang="nl-NL" dirty="0"/>
               <a:t>Tweede niveau</a:t>
             </a:r>
           </a:p>
           <a:p>
             <a:pPr lvl="2"/>
             <a:r>
-              <a:rPr lang="nl-NL"/>
+              <a:rPr lang="nl-NL" dirty="0"/>
               <a:t>Derde niveau</a:t>
             </a:r>
           </a:p>
           <a:p>
             <a:pPr lvl="3"/>
             <a:r>
-              <a:rPr lang="nl-NL"/>
+              <a:rPr lang="nl-NL" dirty="0"/>
               <a:t>Vierde niveau</a:t>
             </a:r>
           </a:p>
           <a:p>
             <a:pPr lvl="4"/>
             <a:r>
-              <a:rPr lang="nl-NL"/>
+              <a:rPr lang="nl-NL" dirty="0"/>
               <a:t>Vijfde niveau</a:t>
             </a:r>
           </a:p>
@@ -2434,10 +2434,10 @@
       </p:pic>
       <p:sp>
         <p:nvSpPr>
-          <p:cNvPr id="2" name="Tijdelijke aanduiding voor tekst 6">
+          <p:cNvPr id="3" name="Title 2">
             <a:extLst>
               <a:ext uri="{FF2B5EF4-FFF2-40B4-BE49-F238E27FC236}">
-                <a16:creationId xmlns:a16="http://schemas.microsoft.com/office/drawing/2014/main" id="{B8E699FC-673C-4C85-B4D7-5D55E303F407}"/>
+                <a16:creationId xmlns:a16="http://schemas.microsoft.com/office/drawing/2014/main" id="{35D7FBB4-891B-45E4-181B-258A15FE1CFC}"/>
               </a:ext>
             </a:extLst>
           </p:cNvPr>
@@ -2445,35 +2445,24 @@
             <a:spLocks noGrp="1"/>
           </p:cNvSpPr>
           <p:nvPr>
-            <p:ph type="body" sz="quarter" idx="14" hasCustomPrompt="1"/>
+            <p:ph type="title"/>
           </p:nvPr>
         </p:nvSpPr>
         <p:spPr>
           <a:xfrm>
-            <a:off x="576263" y="576000"/>
-            <a:ext cx="11006137" cy="643200"/>
+            <a:off x="576000" y="576001"/>
+            <a:ext cx="11041200" cy="648000"/>
           </a:xfrm>
         </p:spPr>
         <p:txBody>
-          <a:bodyPr>
-            <a:normAutofit/>
-          </a:bodyPr>
-          <a:lstStyle>
-            <a:lvl1pPr>
-              <a:defRPr sz="4500" b="1">
-                <a:solidFill>
-                  <a:srgbClr val="00407A"/>
-                </a:solidFill>
-              </a:defRPr>
-            </a:lvl1pPr>
-          </a:lstStyle>
-          <a:p>
-            <a:pPr lvl="0"/>
+          <a:bodyPr/>
+          <a:lstStyle/>
+          <a:p>
             <a:r>
-              <a:rPr lang="nl-NL"/>
-              <a:t>Klikken om een titel toe te voegen</a:t>
+              <a:rPr lang="en-US" dirty="0"/>
+              <a:t>Click to edit Master title style</a:t>
             </a:r>
-            <a:endParaRPr lang="nl-BE"/>
+            <a:endParaRPr lang="en-GB" dirty="0"/>
           </a:p>
         </p:txBody>
       </p:sp>
@@ -3678,10 +3667,10 @@
       </p:pic>
       <p:sp>
         <p:nvSpPr>
-          <p:cNvPr id="2" name="Tijdelijke aanduiding voor tekst 6">
+          <p:cNvPr id="26" name="Title 25">
             <a:extLst>
               <a:ext uri="{FF2B5EF4-FFF2-40B4-BE49-F238E27FC236}">
-                <a16:creationId xmlns:a16="http://schemas.microsoft.com/office/drawing/2014/main" id="{B8E699FC-673C-4C85-B4D7-5D55E303F407}"/>
+                <a16:creationId xmlns:a16="http://schemas.microsoft.com/office/drawing/2014/main" id="{9FFC2E19-DE2B-7111-CC63-9A847C39AA32}"/>
               </a:ext>
             </a:extLst>
           </p:cNvPr>
@@ -3689,35 +3678,24 @@
             <a:spLocks noGrp="1"/>
           </p:cNvSpPr>
           <p:nvPr>
-            <p:ph type="body" sz="quarter" idx="14" hasCustomPrompt="1"/>
+            <p:ph type="title"/>
           </p:nvPr>
         </p:nvSpPr>
         <p:spPr>
           <a:xfrm>
-            <a:off x="576263" y="576000"/>
-            <a:ext cx="11006137" cy="643200"/>
+            <a:off x="576000" y="576000"/>
+            <a:ext cx="11041200" cy="579455"/>
           </a:xfrm>
         </p:spPr>
         <p:txBody>
-          <a:bodyPr>
-            <a:normAutofit/>
-          </a:bodyPr>
-          <a:lstStyle>
-            <a:lvl1pPr>
-              <a:defRPr sz="4500" b="1">
-                <a:solidFill>
-                  <a:srgbClr val="00407A"/>
-                </a:solidFill>
-              </a:defRPr>
-            </a:lvl1pPr>
-          </a:lstStyle>
-          <a:p>
-            <a:pPr lvl="0"/>
+          <a:bodyPr/>
+          <a:lstStyle/>
+          <a:p>
             <a:r>
-              <a:rPr lang="nl-NL"/>
-              <a:t>Klikken om een titel toe te voegen</a:t>
+              <a:rPr lang="en-US"/>
+              <a:t>Click to edit Master title style</a:t>
             </a:r>
-            <a:endParaRPr lang="nl-BE"/>
+            <a:endParaRPr lang="en-GB"/>
           </a:p>
         </p:txBody>
       </p:sp>
@@ -3910,10 +3888,10 @@
       </p:pic>
       <p:sp>
         <p:nvSpPr>
-          <p:cNvPr id="2" name="Tijdelijke aanduiding voor tekst 6">
+          <p:cNvPr id="4" name="Title 3">
             <a:extLst>
               <a:ext uri="{FF2B5EF4-FFF2-40B4-BE49-F238E27FC236}">
-                <a16:creationId xmlns:a16="http://schemas.microsoft.com/office/drawing/2014/main" id="{B8E699FC-673C-4C85-B4D7-5D55E303F407}"/>
+                <a16:creationId xmlns:a16="http://schemas.microsoft.com/office/drawing/2014/main" id="{31FE2B30-5A69-75CF-7187-201E96BE81D8}"/>
               </a:ext>
             </a:extLst>
           </p:cNvPr>
@@ -3921,35 +3899,24 @@
             <a:spLocks noGrp="1"/>
           </p:cNvSpPr>
           <p:nvPr>
-            <p:ph type="body" sz="quarter" idx="14" hasCustomPrompt="1"/>
+            <p:ph type="title"/>
           </p:nvPr>
         </p:nvSpPr>
         <p:spPr>
           <a:xfrm>
-            <a:off x="576263" y="576000"/>
-            <a:ext cx="11006137" cy="648000"/>
+            <a:off x="576000" y="576001"/>
+            <a:ext cx="11041200" cy="648000"/>
           </a:xfrm>
         </p:spPr>
         <p:txBody>
-          <a:bodyPr>
-            <a:normAutofit/>
-          </a:bodyPr>
-          <a:lstStyle>
-            <a:lvl1pPr>
-              <a:defRPr sz="4500" b="1">
-                <a:solidFill>
-                  <a:srgbClr val="00407A"/>
-                </a:solidFill>
-              </a:defRPr>
-            </a:lvl1pPr>
-          </a:lstStyle>
-          <a:p>
-            <a:pPr lvl="0"/>
+          <a:bodyPr/>
+          <a:lstStyle/>
+          <a:p>
             <a:r>
-              <a:rPr lang="nl-NL"/>
-              <a:t>Klikken om een titel toe te voegen</a:t>
+              <a:rPr lang="en-US"/>
+              <a:t>Click to edit Master title style</a:t>
             </a:r>
-            <a:endParaRPr lang="nl-BE"/>
+            <a:endParaRPr lang="en-GB"/>
           </a:p>
         </p:txBody>
       </p:sp>
@@ -4030,8 +3997,8 @@
         </p:nvSpPr>
         <p:spPr>
           <a:xfrm>
-            <a:off x="576000" y="2232000"/>
-            <a:ext cx="11006400" cy="3820646"/>
+            <a:off x="576000" y="1688400"/>
+            <a:ext cx="11006400" cy="4364246"/>
           </a:xfrm>
         </p:spPr>
         <p:txBody>
@@ -4212,10 +4179,10 @@
       </p:pic>
       <p:sp>
         <p:nvSpPr>
-          <p:cNvPr id="2" name="Tijdelijke aanduiding voor tekst 6">
+          <p:cNvPr id="3" name="Title 2">
             <a:extLst>
               <a:ext uri="{FF2B5EF4-FFF2-40B4-BE49-F238E27FC236}">
-                <a16:creationId xmlns:a16="http://schemas.microsoft.com/office/drawing/2014/main" id="{B8E699FC-673C-4C85-B4D7-5D55E303F407}"/>
+                <a16:creationId xmlns:a16="http://schemas.microsoft.com/office/drawing/2014/main" id="{F12466D5-8DB6-11EB-91A8-C5A2326F6E8B}"/>
               </a:ext>
             </a:extLst>
           </p:cNvPr>
@@ -4223,35 +4190,24 @@
             <a:spLocks noGrp="1"/>
           </p:cNvSpPr>
           <p:nvPr>
-            <p:ph type="body" sz="quarter" idx="14" hasCustomPrompt="1"/>
+            <p:ph type="title"/>
           </p:nvPr>
         </p:nvSpPr>
         <p:spPr>
           <a:xfrm>
-            <a:off x="576263" y="576000"/>
-            <a:ext cx="11006137" cy="1112400"/>
+            <a:off x="576000" y="576000"/>
+            <a:ext cx="11041200" cy="648001"/>
           </a:xfrm>
         </p:spPr>
         <p:txBody>
-          <a:bodyPr>
-            <a:normAutofit/>
-          </a:bodyPr>
-          <a:lstStyle>
-            <a:lvl1pPr>
-              <a:defRPr sz="4500" b="1">
-                <a:solidFill>
-                  <a:srgbClr val="00407A"/>
-                </a:solidFill>
-              </a:defRPr>
-            </a:lvl1pPr>
-          </a:lstStyle>
-          <a:p>
-            <a:pPr lvl="0"/>
+          <a:bodyPr/>
+          <a:lstStyle/>
+          <a:p>
             <a:r>
-              <a:rPr lang="nl-NL"/>
-              <a:t>Klikken om een titel toe te voegen</a:t>
+              <a:rPr lang="en-US"/>
+              <a:t>Click to edit Master title style</a:t>
             </a:r>
-            <a:endParaRPr lang="nl-BE"/>
+            <a:endParaRPr lang="en-GB"/>
           </a:p>
         </p:txBody>
       </p:sp>
@@ -4303,8 +4259,8 @@
         </p:nvSpPr>
         <p:spPr>
           <a:xfrm>
-            <a:off x="576000" y="2232000"/>
-            <a:ext cx="11006400" cy="3820646"/>
+            <a:off x="576000" y="1531620"/>
+            <a:ext cx="11006400" cy="4521026"/>
           </a:xfrm>
         </p:spPr>
         <p:txBody>
@@ -4313,35 +4269,35 @@
           <a:p>
             <a:pPr lvl="0"/>
             <a:r>
-              <a:rPr lang="nl-NL"/>
+              <a:rPr lang="nl-NL" dirty="0"/>
               <a:t>Klik om de tekststijl van het model te bewerken</a:t>
             </a:r>
           </a:p>
           <a:p>
             <a:pPr lvl="1"/>
             <a:r>
-              <a:rPr lang="nl-NL"/>
+              <a:rPr lang="nl-NL" dirty="0"/>
               <a:t>Tweede niveau</a:t>
             </a:r>
           </a:p>
           <a:p>
             <a:pPr lvl="2"/>
             <a:r>
-              <a:rPr lang="nl-NL"/>
+              <a:rPr lang="nl-NL" dirty="0"/>
               <a:t>Derde niveau</a:t>
             </a:r>
           </a:p>
           <a:p>
             <a:pPr lvl="3"/>
             <a:r>
-              <a:rPr lang="nl-NL"/>
+              <a:rPr lang="nl-NL" dirty="0"/>
               <a:t>Vierde niveau</a:t>
             </a:r>
           </a:p>
           <a:p>
             <a:pPr lvl="4"/>
             <a:r>
-              <a:rPr lang="nl-NL"/>
+              <a:rPr lang="nl-NL" dirty="0"/>
               <a:t>Vijfde niveau</a:t>
             </a:r>
           </a:p>
@@ -4477,10 +4433,10 @@
       </p:pic>
       <p:sp>
         <p:nvSpPr>
-          <p:cNvPr id="2" name="Tijdelijke aanduiding voor tekst 6">
+          <p:cNvPr id="3" name="Title 2">
             <a:extLst>
               <a:ext uri="{FF2B5EF4-FFF2-40B4-BE49-F238E27FC236}">
-                <a16:creationId xmlns:a16="http://schemas.microsoft.com/office/drawing/2014/main" id="{B8E699FC-673C-4C85-B4D7-5D55E303F407}"/>
+                <a16:creationId xmlns:a16="http://schemas.microsoft.com/office/drawing/2014/main" id="{CC13023F-87C5-4547-FEB6-4B0A34BF8E6D}"/>
               </a:ext>
             </a:extLst>
           </p:cNvPr>
@@ -4488,35 +4444,24 @@
             <a:spLocks noGrp="1"/>
           </p:cNvSpPr>
           <p:nvPr>
-            <p:ph type="body" sz="quarter" idx="14" hasCustomPrompt="1"/>
+            <p:ph type="title"/>
           </p:nvPr>
         </p:nvSpPr>
         <p:spPr>
           <a:xfrm>
-            <a:off x="576263" y="576000"/>
-            <a:ext cx="11006137" cy="1112400"/>
+            <a:off x="576000" y="576001"/>
+            <a:ext cx="11041200" cy="650366"/>
           </a:xfrm>
         </p:spPr>
         <p:txBody>
-          <a:bodyPr>
-            <a:normAutofit/>
-          </a:bodyPr>
-          <a:lstStyle>
-            <a:lvl1pPr>
-              <a:defRPr sz="4500" b="1">
-                <a:solidFill>
-                  <a:srgbClr val="00407A"/>
-                </a:solidFill>
-              </a:defRPr>
-            </a:lvl1pPr>
-          </a:lstStyle>
-          <a:p>
-            <a:pPr lvl="0"/>
+          <a:bodyPr/>
+          <a:lstStyle/>
+          <a:p>
             <a:r>
-              <a:rPr lang="nl-NL"/>
-              <a:t>Klikken om een titel toe te voegen</a:t>
+              <a:rPr lang="en-US"/>
+              <a:t>Click to edit Master title style</a:t>
             </a:r>
-            <a:endParaRPr lang="nl-BE"/>
+            <a:endParaRPr lang="en-GB"/>
           </a:p>
         </p:txBody>
       </p:sp>
@@ -4711,10 +4656,10 @@
       </p:sp>
       <p:sp>
         <p:nvSpPr>
-          <p:cNvPr id="3" name="Tijdelijke aanduiding voor tekst 6">
+          <p:cNvPr id="2" name="Title 1">
             <a:extLst>
               <a:ext uri="{FF2B5EF4-FFF2-40B4-BE49-F238E27FC236}">
-                <a16:creationId xmlns:a16="http://schemas.microsoft.com/office/drawing/2014/main" id="{E9A25335-0D2B-ED58-6AAF-0CA4D0AF90E5}"/>
+                <a16:creationId xmlns:a16="http://schemas.microsoft.com/office/drawing/2014/main" id="{F0CEA65D-4427-8EF5-9C3E-9652403088E1}"/>
               </a:ext>
             </a:extLst>
           </p:cNvPr>
@@ -4722,35 +4667,24 @@
             <a:spLocks noGrp="1"/>
           </p:cNvSpPr>
           <p:nvPr>
-            <p:ph type="body" sz="quarter" idx="14" hasCustomPrompt="1"/>
+            <p:ph type="title"/>
           </p:nvPr>
         </p:nvSpPr>
         <p:spPr>
           <a:xfrm>
-            <a:off x="576263" y="576000"/>
-            <a:ext cx="11006137" cy="1112400"/>
+            <a:off x="576000" y="576001"/>
+            <a:ext cx="11041200" cy="578430"/>
           </a:xfrm>
         </p:spPr>
         <p:txBody>
-          <a:bodyPr>
-            <a:normAutofit/>
-          </a:bodyPr>
-          <a:lstStyle>
-            <a:lvl1pPr>
-              <a:defRPr sz="4500" b="1">
-                <a:solidFill>
-                  <a:srgbClr val="00407A"/>
-                </a:solidFill>
-              </a:defRPr>
-            </a:lvl1pPr>
-          </a:lstStyle>
-          <a:p>
-            <a:pPr lvl="0"/>
+          <a:bodyPr/>
+          <a:lstStyle/>
+          <a:p>
             <a:r>
-              <a:rPr lang="nl-NL"/>
-              <a:t>Klikken om een titel toe te voegen</a:t>
+              <a:rPr lang="en-US"/>
+              <a:t>Click to edit Master title style</a:t>
             </a:r>
-            <a:endParaRPr lang="nl-BE"/>
+            <a:endParaRPr lang="en-GB"/>
           </a:p>
         </p:txBody>
       </p:sp>
@@ -4911,43 +4845,12 @@
           </a:p>
         </p:txBody>
       </p:sp>
-      <p:pic>
-        <p:nvPicPr>
-          <p:cNvPr id="11" name="Afbeelding 10" descr="Afbeelding met Graphics, cirkel, ontwerp&#10;&#10;Automatisch gegenereerde beschrijving">
+      <p:sp>
+        <p:nvSpPr>
+          <p:cNvPr id="2" name="Title 1">
             <a:extLst>
               <a:ext uri="{FF2B5EF4-FFF2-40B4-BE49-F238E27FC236}">
-                <a16:creationId xmlns:a16="http://schemas.microsoft.com/office/drawing/2014/main" id="{C5F47133-76D0-7365-C888-86F5F1E4FF1B}"/>
-              </a:ext>
-            </a:extLst>
-          </p:cNvPr>
-          <p:cNvPicPr>
-            <a:picLocks noChangeAspect="1"/>
-          </p:cNvPicPr>
-          <p:nvPr userDrawn="1"/>
-        </p:nvPicPr>
-        <p:blipFill>
-          <a:blip r:embed="rId2">
-            <a:alphaModFix amt="10000"/>
-          </a:blip>
-          <a:srcRect l="7150" t="5136" r="-7150" b="-3030"/>
-          <a:stretch/>
-        </p:blipFill>
-        <p:spPr>
-          <a:xfrm>
-            <a:off x="0" y="0"/>
-            <a:ext cx="8401050" cy="3672000"/>
-          </a:xfrm>
-          <a:prstGeom prst="rect">
-            <a:avLst/>
-          </a:prstGeom>
-        </p:spPr>
-      </p:pic>
-      <p:sp>
-        <p:nvSpPr>
-          <p:cNvPr id="7" name="Tijdelijke aanduiding voor tekst 6">
-            <a:extLst>
-              <a:ext uri="{FF2B5EF4-FFF2-40B4-BE49-F238E27FC236}">
-                <a16:creationId xmlns:a16="http://schemas.microsoft.com/office/drawing/2014/main" id="{3BE6B130-1D11-E9C7-FB3D-DE28358B931F}"/>
+                <a16:creationId xmlns:a16="http://schemas.microsoft.com/office/drawing/2014/main" id="{4A3A12AB-811C-F19D-0A73-86DCF776D574}"/>
               </a:ext>
             </a:extLst>
           </p:cNvPr>
@@ -4955,35 +4858,24 @@
             <a:spLocks noGrp="1"/>
           </p:cNvSpPr>
           <p:nvPr>
-            <p:ph type="body" sz="quarter" idx="14" hasCustomPrompt="1"/>
+            <p:ph type="title"/>
           </p:nvPr>
         </p:nvSpPr>
         <p:spPr>
           <a:xfrm>
-            <a:off x="576263" y="576000"/>
-            <a:ext cx="11006137" cy="1112400"/>
+            <a:off x="576000" y="576001"/>
+            <a:ext cx="11041200" cy="647010"/>
           </a:xfrm>
         </p:spPr>
         <p:txBody>
-          <a:bodyPr>
-            <a:normAutofit/>
-          </a:bodyPr>
-          <a:lstStyle>
-            <a:lvl1pPr>
-              <a:defRPr sz="4500" b="1">
-                <a:solidFill>
-                  <a:srgbClr val="00407A"/>
-                </a:solidFill>
-              </a:defRPr>
-            </a:lvl1pPr>
-          </a:lstStyle>
-          <a:p>
-            <a:pPr lvl="0"/>
+          <a:bodyPr/>
+          <a:lstStyle/>
+          <a:p>
             <a:r>
-              <a:rPr lang="nl-NL"/>
-              <a:t>Klikken om een titel toe te voegen</a:t>
+              <a:rPr lang="en-US" dirty="0"/>
+              <a:t>Click to edit Master title style</a:t>
             </a:r>
-            <a:endParaRPr lang="nl-BE"/>
+            <a:endParaRPr lang="en-GB" dirty="0"/>
           </a:p>
         </p:txBody>
       </p:sp>
@@ -6405,26 +6297,6 @@
 </file>
 
 <file path=customXml/item1.xml><?xml version="1.0" encoding="utf-8"?>
-<p:properties xmlns:p="http://schemas.microsoft.com/office/2006/metadata/properties" xmlns:xsi="http://www.w3.org/2001/XMLSchema-instance" xmlns:pc="http://schemas.microsoft.com/office/infopath/2007/PartnerControls">
-  <documentManagement>
-    <lcf76f155ced4ddcb4097134ff3c332f xmlns="81d41a3b-f33d-4db6-b532-757106a7a2ae">
-      <Terms xmlns="http://schemas.microsoft.com/office/infopath/2007/PartnerControls"/>
-    </lcf76f155ced4ddcb4097134ff3c332f>
-    <TaxCatchAll xmlns="bf25a9bf-a811-4965-9d0a-b88059080fed" xsi:nil="true"/>
-  </documentManagement>
-</p:properties>
-</file>
-
-<file path=customXml/item2.xml><?xml version="1.0" encoding="utf-8"?>
-<?mso-contentType ?>
-<FormTemplates xmlns="http://schemas.microsoft.com/sharepoint/v3/contenttype/forms">
-  <Display>DocumentLibraryForm</Display>
-  <Edit>DocumentLibraryForm</Edit>
-  <New>DocumentLibraryForm</New>
-</FormTemplates>
-</file>
-
-<file path=customXml/item3.xml><?xml version="1.0" encoding="utf-8"?>
 <ct:contentTypeSchema xmlns:ct="http://schemas.microsoft.com/office/2006/metadata/contentType" xmlns:ma="http://schemas.microsoft.com/office/2006/metadata/properties/metaAttributes" ct:_="" ma:_="" ma:contentTypeName="Document" ma:contentTypeID="0x010100B8C495A181F81B4C9DE5AD85CD0F70D4" ma:contentTypeVersion="18" ma:contentTypeDescription="Een nieuw document maken." ma:contentTypeScope="" ma:versionID="6ba28a59cba4a02a693681f32745d77b">
   <xsd:schema xmlns:xsd="http://www.w3.org/2001/XMLSchema" xmlns:xs="http://www.w3.org/2001/XMLSchema" xmlns:p="http://schemas.microsoft.com/office/2006/metadata/properties" xmlns:ns2="81d41a3b-f33d-4db6-b532-757106a7a2ae" xmlns:ns3="bf25a9bf-a811-4965-9d0a-b88059080fed" targetNamespace="http://schemas.microsoft.com/office/2006/metadata/properties" ma:root="true" ma:fieldsID="b996b4a4c0d83f5cfec71b22aba921d2" ns2:_="" ns3:_="">
     <xsd:import namespace="81d41a3b-f33d-4db6-b532-757106a7a2ae"/>
@@ -6679,32 +6551,27 @@
 </ct:contentTypeSchema>
 </file>
 
-<file path=customXml/itemProps1.xml><?xml version="1.0" encoding="utf-8"?>
-<ds:datastoreItem xmlns:ds="http://schemas.openxmlformats.org/officeDocument/2006/customXml" ds:itemID="{5EE9034D-0B43-4AB0-9535-9A62DB37A999}">
-  <ds:schemaRefs>
-    <ds:schemaRef ds:uri="http://www.w3.org/XML/1998/namespace"/>
-    <ds:schemaRef ds:uri="81d41a3b-f33d-4db6-b532-757106a7a2ae"/>
-    <ds:schemaRef ds:uri="http://purl.org/dc/dcmitype/"/>
-    <ds:schemaRef ds:uri="http://purl.org/dc/elements/1.1/"/>
-    <ds:schemaRef ds:uri="http://schemas.microsoft.com/office/2006/documentManagement/types"/>
-    <ds:schemaRef ds:uri="bf25a9bf-a811-4965-9d0a-b88059080fed"/>
-    <ds:schemaRef ds:uri="http://purl.org/dc/terms/"/>
-    <ds:schemaRef ds:uri="http://schemas.microsoft.com/office/infopath/2007/PartnerControls"/>
-    <ds:schemaRef ds:uri="http://schemas.openxmlformats.org/package/2006/metadata/core-properties"/>
-    <ds:schemaRef ds:uri="http://schemas.microsoft.com/office/2006/metadata/properties"/>
-  </ds:schemaRefs>
-</ds:datastoreItem>
+<file path=customXml/item2.xml><?xml version="1.0" encoding="utf-8"?>
+<?mso-contentType ?>
+<FormTemplates xmlns="http://schemas.microsoft.com/sharepoint/v3/contenttype/forms">
+  <Display>DocumentLibraryForm</Display>
+  <Edit>DocumentLibraryForm</Edit>
+  <New>DocumentLibraryForm</New>
+</FormTemplates>
 </file>
 
-<file path=customXml/itemProps2.xml><?xml version="1.0" encoding="utf-8"?>
-<ds:datastoreItem xmlns:ds="http://schemas.openxmlformats.org/officeDocument/2006/customXml" ds:itemID="{263A7949-1B93-457F-8888-53CC8A016F77}">
-  <ds:schemaRefs>
-    <ds:schemaRef ds:uri="http://schemas.microsoft.com/sharepoint/v3/contenttype/forms"/>
-  </ds:schemaRefs>
-</ds:datastoreItem>
+<file path=customXml/item3.xml><?xml version="1.0" encoding="utf-8"?>
+<p:properties xmlns:p="http://schemas.microsoft.com/office/2006/metadata/properties" xmlns:xsi="http://www.w3.org/2001/XMLSchema-instance" xmlns:pc="http://schemas.microsoft.com/office/infopath/2007/PartnerControls">
+  <documentManagement>
+    <lcf76f155ced4ddcb4097134ff3c332f xmlns="81d41a3b-f33d-4db6-b532-757106a7a2ae">
+      <Terms xmlns="http://schemas.microsoft.com/office/infopath/2007/PartnerControls"/>
+    </lcf76f155ced4ddcb4097134ff3c332f>
+    <TaxCatchAll xmlns="bf25a9bf-a811-4965-9d0a-b88059080fed" xsi:nil="true"/>
+  </documentManagement>
+</p:properties>
 </file>
 
-<file path=customXml/itemProps3.xml><?xml version="1.0" encoding="utf-8"?>
+<file path=customXml/itemProps1.xml><?xml version="1.0" encoding="utf-8"?>
 <ds:datastoreItem xmlns:ds="http://schemas.openxmlformats.org/officeDocument/2006/customXml" ds:itemID="{2A270F01-48F1-4A41-8E26-ACAC66896963}">
   <ds:schemaRefs>
     <ds:schemaRef ds:uri="http://schemas.microsoft.com/office/2006/metadata/contentType"/>
@@ -6721,4 +6588,29 @@
     <ds:schemaRef ds:uri="http://schemas.microsoft.com/internal/obd"/>
   </ds:schemaRefs>
 </ds:datastoreItem>
+</file>
+
+<file path=customXml/itemProps2.xml><?xml version="1.0" encoding="utf-8"?>
+<ds:datastoreItem xmlns:ds="http://schemas.openxmlformats.org/officeDocument/2006/customXml" ds:itemID="{263A7949-1B93-457F-8888-53CC8A016F77}">
+  <ds:schemaRefs>
+    <ds:schemaRef ds:uri="http://schemas.microsoft.com/sharepoint/v3/contenttype/forms"/>
+  </ds:schemaRefs>
+</ds:datastoreItem>
+</file>
+
+<file path=customXml/itemProps3.xml><?xml version="1.0" encoding="utf-8"?>
+<ds:datastoreItem xmlns:ds="http://schemas.openxmlformats.org/officeDocument/2006/customXml" ds:itemID="{5EE9034D-0B43-4AB0-9535-9A62DB37A999}">
+  <ds:schemaRefs>
+    <ds:schemaRef ds:uri="http://www.w3.org/XML/1998/namespace"/>
+    <ds:schemaRef ds:uri="81d41a3b-f33d-4db6-b532-757106a7a2ae"/>
+    <ds:schemaRef ds:uri="http://purl.org/dc/dcmitype/"/>
+    <ds:schemaRef ds:uri="http://purl.org/dc/elements/1.1/"/>
+    <ds:schemaRef ds:uri="http://schemas.microsoft.com/office/2006/documentManagement/types"/>
+    <ds:schemaRef ds:uri="bf25a9bf-a811-4965-9d0a-b88059080fed"/>
+    <ds:schemaRef ds:uri="http://purl.org/dc/terms/"/>
+    <ds:schemaRef ds:uri="http://schemas.microsoft.com/office/infopath/2007/PartnerControls"/>
+    <ds:schemaRef ds:uri="http://schemas.openxmlformats.org/package/2006/metadata/core-properties"/>
+    <ds:schemaRef ds:uri="http://schemas.microsoft.com/office/2006/metadata/properties"/>
+  </ds:schemaRefs>
+</ds:datastoreItem>
 </file>
--- a/.github/common/PowerPoint_600jaar_template.pptx
+++ b/.github/common/PowerPoint_600jaar_template.pptx
@@ -671,7 +671,7 @@
           <a:p>
             <a:fld id="{8F591CCF-F6FD-734B-854A-5BC033593B1E}" type="datetimeFigureOut">
               <a:rPr lang="nl-NL" smtClean="0"/>
-              <a:t>20-9-2025</a:t>
+              <a:t>21-9-2025</a:t>
             </a:fld>
             <a:endParaRPr lang="nl-NL"/>
           </a:p>
@@ -836,7 +836,7 @@
           <a:p>
             <a:fld id="{23C66214-DB21-4647-B5DA-0D17CA592867}" type="datetimeFigureOut">
               <a:rPr lang="nl-NL" smtClean="0"/>
-              <a:t>20-9-2025</a:t>
+              <a:t>21-9-2025</a:t>
             </a:fld>
             <a:endParaRPr lang="nl-NL"/>
           </a:p>
@@ -1447,7 +1447,7 @@
           <a:p>
             <a:fld id="{D15822B7-9EF6-9542-AF10-CD505E021A84}" type="datetime1">
               <a:rPr lang="nl-BE" smtClean="0"/>
-              <a:t>20/09/2025</a:t>
+              <a:t>21/09/2025</a:t>
             </a:fld>
             <a:endParaRPr lang="nl-NL"/>
           </a:p>
@@ -1697,7 +1697,7 @@
           <a:p>
             <a:fld id="{D15822B7-9EF6-9542-AF10-CD505E021A84}" type="datetime1">
               <a:rPr lang="nl-BE" smtClean="0"/>
-              <a:t>20/09/2025</a:t>
+              <a:t>21/09/2025</a:t>
             </a:fld>
             <a:endParaRPr lang="nl-NL"/>
           </a:p>
@@ -1980,7 +1980,7 @@
           <a:p>
             <a:fld id="{F52CA13D-CC20-034F-8D4D-5C3038626ED9}" type="datetime1">
               <a:rPr lang="nl-BE" smtClean="0"/>
-              <a:t>20/09/2025</a:t>
+              <a:t>21/09/2025</a:t>
             </a:fld>
             <a:endParaRPr lang="nl-NL"/>
           </a:p>
@@ -2260,8 +2260,8 @@
         </p:nvSpPr>
         <p:spPr>
           <a:xfrm>
-            <a:off x="576000" y="2232000"/>
-            <a:ext cx="11006400" cy="3820646"/>
+            <a:off x="576000" y="800401"/>
+            <a:ext cx="11006400" cy="5252245"/>
           </a:xfrm>
         </p:spPr>
         <p:txBody>
@@ -2332,7 +2332,7 @@
           <a:p>
             <a:fld id="{F52CA13D-CC20-034F-8D4D-5C3038626ED9}" type="datetime1">
               <a:rPr lang="nl-BE" smtClean="0"/>
-              <a:t>20/09/2025</a:t>
+              <a:t>21/09/2025</a:t>
             </a:fld>
             <a:endParaRPr lang="nl-NL"/>
           </a:p>
@@ -2450,7 +2450,7 @@
         </p:nvSpPr>
         <p:spPr>
           <a:xfrm>
-            <a:off x="576000" y="576001"/>
+            <a:off x="576000" y="4501"/>
             <a:ext cx="11041200" cy="648000"/>
           </a:xfrm>
         </p:spPr>
@@ -2510,8 +2510,8 @@
         </p:nvGrpSpPr>
         <p:grpSpPr>
           <a:xfrm>
-            <a:off x="125506" y="1312858"/>
-            <a:ext cx="11821095" cy="4739788"/>
+            <a:off x="125506" y="731855"/>
+            <a:ext cx="11821095" cy="5320791"/>
             <a:chOff x="0" y="-241102"/>
             <a:chExt cx="23088432" cy="12605757"/>
           </a:xfrm>
@@ -3456,8 +3456,8 @@
         </p:nvSpPr>
         <p:spPr>
           <a:xfrm>
-            <a:off x="245399" y="1810310"/>
-            <a:ext cx="11605942" cy="4175637"/>
+            <a:off x="245399" y="1280788"/>
+            <a:ext cx="11605942" cy="4705159"/>
           </a:xfrm>
           <a:noFill/>
         </p:spPr>
@@ -3565,7 +3565,7 @@
           <a:p>
             <a:fld id="{F52CA13D-CC20-034F-8D4D-5C3038626ED9}" type="datetime1">
               <a:rPr lang="nl-BE" smtClean="0"/>
-              <a:t>20/09/2025</a:t>
+              <a:t>21/09/2025</a:t>
             </a:fld>
             <a:endParaRPr lang="nl-NL"/>
           </a:p>
@@ -3683,7 +3683,7 @@
         </p:nvSpPr>
         <p:spPr>
           <a:xfrm>
-            <a:off x="576000" y="576000"/>
+            <a:off x="576000" y="4500"/>
             <a:ext cx="11041200" cy="579455"/>
           </a:xfrm>
         </p:spPr>
@@ -3786,7 +3786,7 @@
           <a:p>
             <a:fld id="{F52CA13D-CC20-034F-8D4D-5C3038626ED9}" type="datetime1">
               <a:rPr lang="nl-BE" smtClean="0"/>
-              <a:t>20/09/2025</a:t>
+              <a:t>21/09/2025</a:t>
             </a:fld>
             <a:endParaRPr lang="nl-NL"/>
           </a:p>
@@ -3904,7 +3904,7 @@
         </p:nvSpPr>
         <p:spPr>
           <a:xfrm>
-            <a:off x="576000" y="576001"/>
+            <a:off x="576000" y="4501"/>
             <a:ext cx="11041200" cy="648000"/>
           </a:xfrm>
         </p:spPr>
@@ -3997,8 +3997,8 @@
         </p:nvSpPr>
         <p:spPr>
           <a:xfrm>
-            <a:off x="576000" y="1688400"/>
-            <a:ext cx="11006400" cy="4364246"/>
+            <a:off x="576000" y="811831"/>
+            <a:ext cx="11006400" cy="5240815"/>
           </a:xfrm>
         </p:spPr>
         <p:txBody>
@@ -4077,7 +4077,7 @@
           <a:p>
             <a:fld id="{F52CA13D-CC20-034F-8D4D-5C3038626ED9}" type="datetime1">
               <a:rPr lang="nl-BE" smtClean="0"/>
-              <a:t>20/09/2025</a:t>
+              <a:t>21/09/2025</a:t>
             </a:fld>
             <a:endParaRPr lang="nl-NL"/>
           </a:p>
@@ -4195,7 +4195,7 @@
         </p:nvSpPr>
         <p:spPr>
           <a:xfrm>
-            <a:off x="576000" y="576000"/>
+            <a:off x="576000" y="15930"/>
             <a:ext cx="11041200" cy="648001"/>
           </a:xfrm>
         </p:spPr>
@@ -4204,10 +4204,10 @@
           <a:lstStyle/>
           <a:p>
             <a:r>
-              <a:rPr lang="en-US"/>
+              <a:rPr lang="en-US" dirty="0"/>
               <a:t>Click to edit Master title style</a:t>
             </a:r>
-            <a:endParaRPr lang="en-GB"/>
+            <a:endParaRPr lang="en-GB" dirty="0"/>
           </a:p>
         </p:txBody>
       </p:sp>
@@ -4259,8 +4259,8 @@
         </p:nvSpPr>
         <p:spPr>
           <a:xfrm>
-            <a:off x="576000" y="1531620"/>
-            <a:ext cx="11006400" cy="4521026"/>
+            <a:off x="576000" y="868680"/>
+            <a:ext cx="11006400" cy="5183966"/>
           </a:xfrm>
         </p:spPr>
         <p:txBody>
@@ -4331,7 +4331,7 @@
           <a:p>
             <a:fld id="{F52CA13D-CC20-034F-8D4D-5C3038626ED9}" type="datetime1">
               <a:rPr lang="nl-BE" smtClean="0"/>
-              <a:t>20/09/2025</a:t>
+              <a:t>21/09/2025</a:t>
             </a:fld>
             <a:endParaRPr lang="nl-NL"/>
           </a:p>
@@ -4449,7 +4449,7 @@
         </p:nvSpPr>
         <p:spPr>
           <a:xfrm>
-            <a:off x="576000" y="576001"/>
+            <a:off x="576000" y="15931"/>
             <a:ext cx="11041200" cy="650366"/>
           </a:xfrm>
         </p:spPr>
@@ -4544,7 +4544,7 @@
           <a:p>
             <a:fld id="{D15822B7-9EF6-9542-AF10-CD505E021A84}" type="datetime1">
               <a:rPr lang="nl-BE" smtClean="0"/>
-              <a:t>20/09/2025</a:t>
+              <a:t>21/09/2025</a:t>
             </a:fld>
             <a:endParaRPr lang="nl-NL"/>
           </a:p>
@@ -4610,8 +4610,8 @@
         </p:nvSpPr>
         <p:spPr>
           <a:xfrm>
-            <a:off x="576000" y="2232000"/>
-            <a:ext cx="11006402" cy="3820646"/>
+            <a:off x="576000" y="708660"/>
+            <a:ext cx="11006402" cy="5343986"/>
           </a:xfrm>
         </p:spPr>
         <p:txBody>
@@ -4672,7 +4672,7 @@
         </p:nvSpPr>
         <p:spPr>
           <a:xfrm>
-            <a:off x="576000" y="576001"/>
+            <a:off x="576000" y="15931"/>
             <a:ext cx="11041200" cy="578430"/>
           </a:xfrm>
         </p:spPr>
@@ -4681,10 +4681,10 @@
           <a:lstStyle/>
           <a:p>
             <a:r>
-              <a:rPr lang="en-US"/>
+              <a:rPr lang="en-US" dirty="0"/>
               <a:t>Click to edit Master title style</a:t>
             </a:r>
-            <a:endParaRPr lang="en-GB"/>
+            <a:endParaRPr lang="en-GB" dirty="0"/>
           </a:p>
         </p:txBody>
       </p:sp>
@@ -4735,7 +4735,7 @@
           <a:p>
             <a:fld id="{D15822B7-9EF6-9542-AF10-CD505E021A84}" type="datetime1">
               <a:rPr lang="nl-BE" smtClean="0"/>
-              <a:t>20/09/2025</a:t>
+              <a:t>21/09/2025</a:t>
             </a:fld>
             <a:endParaRPr lang="nl-NL"/>
           </a:p>
@@ -4801,8 +4801,8 @@
         </p:nvSpPr>
         <p:spPr>
           <a:xfrm>
-            <a:off x="576000" y="2232000"/>
-            <a:ext cx="11006402" cy="3820646"/>
+            <a:off x="576000" y="765810"/>
+            <a:ext cx="11006402" cy="5286836"/>
           </a:xfrm>
         </p:spPr>
         <p:txBody>
@@ -4863,7 +4863,7 @@
         </p:nvSpPr>
         <p:spPr>
           <a:xfrm>
-            <a:off x="576000" y="576001"/>
+            <a:off x="576000" y="0"/>
             <a:ext cx="11041200" cy="647010"/>
           </a:xfrm>
         </p:spPr>
@@ -5093,7 +5093,7 @@
           <a:p>
             <a:fld id="{0C33DDE8-63FF-C642-9F3A-0B773DD34821}" type="datetime1">
               <a:rPr lang="nl-BE" smtClean="0"/>
-              <a:t>20/09/2025</a:t>
+              <a:t>21/09/2025</a:t>
             </a:fld>
             <a:endParaRPr lang="nl-NL"/>
           </a:p>
@@ -6297,6 +6297,26 @@
 </file>
 
 <file path=customXml/item1.xml><?xml version="1.0" encoding="utf-8"?>
+<p:properties xmlns:p="http://schemas.microsoft.com/office/2006/metadata/properties" xmlns:xsi="http://www.w3.org/2001/XMLSchema-instance" xmlns:pc="http://schemas.microsoft.com/office/infopath/2007/PartnerControls">
+  <documentManagement>
+    <lcf76f155ced4ddcb4097134ff3c332f xmlns="81d41a3b-f33d-4db6-b532-757106a7a2ae">
+      <Terms xmlns="http://schemas.microsoft.com/office/infopath/2007/PartnerControls"/>
+    </lcf76f155ced4ddcb4097134ff3c332f>
+    <TaxCatchAll xmlns="bf25a9bf-a811-4965-9d0a-b88059080fed" xsi:nil="true"/>
+  </documentManagement>
+</p:properties>
+</file>
+
+<file path=customXml/item2.xml><?xml version="1.0" encoding="utf-8"?>
+<?mso-contentType ?>
+<FormTemplates xmlns="http://schemas.microsoft.com/sharepoint/v3/contenttype/forms">
+  <Display>DocumentLibraryForm</Display>
+  <Edit>DocumentLibraryForm</Edit>
+  <New>DocumentLibraryForm</New>
+</FormTemplates>
+</file>
+
+<file path=customXml/item3.xml><?xml version="1.0" encoding="utf-8"?>
 <ct:contentTypeSchema xmlns:ct="http://schemas.microsoft.com/office/2006/metadata/contentType" xmlns:ma="http://schemas.microsoft.com/office/2006/metadata/properties/metaAttributes" ct:_="" ma:_="" ma:contentTypeName="Document" ma:contentTypeID="0x010100B8C495A181F81B4C9DE5AD85CD0F70D4" ma:contentTypeVersion="18" ma:contentTypeDescription="Een nieuw document maken." ma:contentTypeScope="" ma:versionID="6ba28a59cba4a02a693681f32745d77b">
   <xsd:schema xmlns:xsd="http://www.w3.org/2001/XMLSchema" xmlns:xs="http://www.w3.org/2001/XMLSchema" xmlns:p="http://schemas.microsoft.com/office/2006/metadata/properties" xmlns:ns2="81d41a3b-f33d-4db6-b532-757106a7a2ae" xmlns:ns3="bf25a9bf-a811-4965-9d0a-b88059080fed" targetNamespace="http://schemas.microsoft.com/office/2006/metadata/properties" ma:root="true" ma:fieldsID="b996b4a4c0d83f5cfec71b22aba921d2" ns2:_="" ns3:_="">
     <xsd:import namespace="81d41a3b-f33d-4db6-b532-757106a7a2ae"/>
@@ -6551,27 +6571,32 @@
 </ct:contentTypeSchema>
 </file>
 
-<file path=customXml/item2.xml><?xml version="1.0" encoding="utf-8"?>
-<?mso-contentType ?>
-<FormTemplates xmlns="http://schemas.microsoft.com/sharepoint/v3/contenttype/forms">
-  <Display>DocumentLibraryForm</Display>
-  <Edit>DocumentLibraryForm</Edit>
-  <New>DocumentLibraryForm</New>
-</FormTemplates>
+<file path=customXml/itemProps1.xml><?xml version="1.0" encoding="utf-8"?>
+<ds:datastoreItem xmlns:ds="http://schemas.openxmlformats.org/officeDocument/2006/customXml" ds:itemID="{5EE9034D-0B43-4AB0-9535-9A62DB37A999}">
+  <ds:schemaRefs>
+    <ds:schemaRef ds:uri="http://www.w3.org/XML/1998/namespace"/>
+    <ds:schemaRef ds:uri="81d41a3b-f33d-4db6-b532-757106a7a2ae"/>
+    <ds:schemaRef ds:uri="http://purl.org/dc/dcmitype/"/>
+    <ds:schemaRef ds:uri="http://purl.org/dc/elements/1.1/"/>
+    <ds:schemaRef ds:uri="http://schemas.microsoft.com/office/2006/documentManagement/types"/>
+    <ds:schemaRef ds:uri="bf25a9bf-a811-4965-9d0a-b88059080fed"/>
+    <ds:schemaRef ds:uri="http://purl.org/dc/terms/"/>
+    <ds:schemaRef ds:uri="http://schemas.microsoft.com/office/infopath/2007/PartnerControls"/>
+    <ds:schemaRef ds:uri="http://schemas.openxmlformats.org/package/2006/metadata/core-properties"/>
+    <ds:schemaRef ds:uri="http://schemas.microsoft.com/office/2006/metadata/properties"/>
+  </ds:schemaRefs>
+</ds:datastoreItem>
 </file>
 
-<file path=customXml/item3.xml><?xml version="1.0" encoding="utf-8"?>
-<p:properties xmlns:p="http://schemas.microsoft.com/office/2006/metadata/properties" xmlns:xsi="http://www.w3.org/2001/XMLSchema-instance" xmlns:pc="http://schemas.microsoft.com/office/infopath/2007/PartnerControls">
-  <documentManagement>
-    <lcf76f155ced4ddcb4097134ff3c332f xmlns="81d41a3b-f33d-4db6-b532-757106a7a2ae">
-      <Terms xmlns="http://schemas.microsoft.com/office/infopath/2007/PartnerControls"/>
-    </lcf76f155ced4ddcb4097134ff3c332f>
-    <TaxCatchAll xmlns="bf25a9bf-a811-4965-9d0a-b88059080fed" xsi:nil="true"/>
-  </documentManagement>
-</p:properties>
+<file path=customXml/itemProps2.xml><?xml version="1.0" encoding="utf-8"?>
+<ds:datastoreItem xmlns:ds="http://schemas.openxmlformats.org/officeDocument/2006/customXml" ds:itemID="{263A7949-1B93-457F-8888-53CC8A016F77}">
+  <ds:schemaRefs>
+    <ds:schemaRef ds:uri="http://schemas.microsoft.com/sharepoint/v3/contenttype/forms"/>
+  </ds:schemaRefs>
+</ds:datastoreItem>
 </file>
 
-<file path=customXml/itemProps1.xml><?xml version="1.0" encoding="utf-8"?>
+<file path=customXml/itemProps3.xml><?xml version="1.0" encoding="utf-8"?>
 <ds:datastoreItem xmlns:ds="http://schemas.openxmlformats.org/officeDocument/2006/customXml" ds:itemID="{2A270F01-48F1-4A41-8E26-ACAC66896963}">
   <ds:schemaRefs>
     <ds:schemaRef ds:uri="http://schemas.microsoft.com/office/2006/metadata/contentType"/>
@@ -6588,29 +6613,4 @@
     <ds:schemaRef ds:uri="http://schemas.microsoft.com/internal/obd"/>
   </ds:schemaRefs>
 </ds:datastoreItem>
-</file>
-
-<file path=customXml/itemProps2.xml><?xml version="1.0" encoding="utf-8"?>
-<ds:datastoreItem xmlns:ds="http://schemas.openxmlformats.org/officeDocument/2006/customXml" ds:itemID="{263A7949-1B93-457F-8888-53CC8A016F77}">
-  <ds:schemaRefs>
-    <ds:schemaRef ds:uri="http://schemas.microsoft.com/sharepoint/v3/contenttype/forms"/>
-  </ds:schemaRefs>
-</ds:datastoreItem>
-</file>
-
-<file path=customXml/itemProps3.xml><?xml version="1.0" encoding="utf-8"?>
-<ds:datastoreItem xmlns:ds="http://schemas.openxmlformats.org/officeDocument/2006/customXml" ds:itemID="{5EE9034D-0B43-4AB0-9535-9A62DB37A999}">
-  <ds:schemaRefs>
-    <ds:schemaRef ds:uri="http://www.w3.org/XML/1998/namespace"/>
-    <ds:schemaRef ds:uri="81d41a3b-f33d-4db6-b532-757106a7a2ae"/>
-    <ds:schemaRef ds:uri="http://purl.org/dc/dcmitype/"/>
-    <ds:schemaRef ds:uri="http://purl.org/dc/elements/1.1/"/>
-    <ds:schemaRef ds:uri="http://schemas.microsoft.com/office/2006/documentManagement/types"/>
-    <ds:schemaRef ds:uri="bf25a9bf-a811-4965-9d0a-b88059080fed"/>
-    <ds:schemaRef ds:uri="http://purl.org/dc/terms/"/>
-    <ds:schemaRef ds:uri="http://schemas.microsoft.com/office/infopath/2007/PartnerControls"/>
-    <ds:schemaRef ds:uri="http://schemas.openxmlformats.org/package/2006/metadata/core-properties"/>
-    <ds:schemaRef ds:uri="http://schemas.microsoft.com/office/2006/metadata/properties"/>
-  </ds:schemaRefs>
-</ds:datastoreItem>
 </file>
--- a/.github/common/PowerPoint_600jaar_template.pptx
+++ b/.github/common/PowerPoint_600jaar_template.pptx
@@ -1,6 +1,6 @@
 
 <file path=ppt/presentation.xml><?xml version="1.0" encoding="utf-8"?>
-<p:presentation xmlns:a="http://schemas.openxmlformats.org/drawingml/2006/main" xmlns:r="http://schemas.openxmlformats.org/officeDocument/2006/relationships" xmlns:p="http://schemas.openxmlformats.org/presentationml/2006/main" saveSubsetFonts="1" autoCompressPictures="0">
+<p:presentation xmlns:a="http://schemas.openxmlformats.org/drawingml/2006/main" xmlns:r="http://schemas.openxmlformats.org/officeDocument/2006/relationships" xmlns:p="http://schemas.openxmlformats.org/presentationml/2006/main" showSpecialPlsOnTitleSld="0" saveSubsetFonts="1" autoCompressPictures="0">
   <p:sldMasterIdLst>
     <p:sldMasterId id="2147483648" r:id="rId4"/>
   </p:sldMasterIdLst>
@@ -671,7 +671,7 @@
           <a:p>
             <a:fld id="{8F591CCF-F6FD-734B-854A-5BC033593B1E}" type="datetimeFigureOut">
               <a:rPr lang="nl-NL" smtClean="0"/>
-              <a:t>21-9-2025</a:t>
+              <a:t>28-9-2025</a:t>
             </a:fld>
             <a:endParaRPr lang="nl-NL"/>
           </a:p>
@@ -836,7 +836,7 @@
           <a:p>
             <a:fld id="{23C66214-DB21-4647-B5DA-0D17CA592867}" type="datetimeFigureOut">
               <a:rPr lang="nl-NL" smtClean="0"/>
-              <a:t>21-9-2025</a:t>
+              <a:t>28-9-2025</a:t>
             </a:fld>
             <a:endParaRPr lang="nl-NL"/>
           </a:p>
@@ -1445,9 +1445,9 @@
           <a:bodyPr/>
           <a:lstStyle/>
           <a:p>
-            <a:fld id="{D15822B7-9EF6-9542-AF10-CD505E021A84}" type="datetime1">
+            <a:fld id="{39E7E716-59E8-42BC-97BF-DDA9E59ADEE7}" type="datetime1">
               <a:rPr lang="nl-BE" smtClean="0"/>
-              <a:t>21/09/2025</a:t>
+              <a:t>28/09/2025</a:t>
             </a:fld>
             <a:endParaRPr lang="nl-NL"/>
           </a:p>
@@ -1479,7 +1479,7 @@
           <a:bodyPr/>
           <a:lstStyle/>
           <a:p>
-            <a:endParaRPr lang="nl-NL"/>
+            <a:endParaRPr lang="nl-NL" dirty="0"/>
           </a:p>
         </p:txBody>
       </p:sp>
@@ -1695,9 +1695,9 @@
           <a:bodyPr/>
           <a:lstStyle/>
           <a:p>
-            <a:fld id="{D15822B7-9EF6-9542-AF10-CD505E021A84}" type="datetime1">
+            <a:fld id="{68285E84-F3E9-4DE0-AF5C-DC32311C51B6}" type="datetime1">
               <a:rPr lang="nl-BE" smtClean="0"/>
-              <a:t>21/09/2025</a:t>
+              <a:t>28/09/2025</a:t>
             </a:fld>
             <a:endParaRPr lang="nl-NL"/>
           </a:p>
@@ -1978,9 +1978,9 @@
           <a:bodyPr/>
           <a:lstStyle/>
           <a:p>
-            <a:fld id="{F52CA13D-CC20-034F-8D4D-5C3038626ED9}" type="datetime1">
+            <a:fld id="{86D712DB-13D1-48DF-8D74-EA2A0D6A1295}" type="datetime1">
               <a:rPr lang="nl-BE" smtClean="0"/>
-              <a:t>21/09/2025</a:t>
+              <a:t>28/09/2025</a:t>
             </a:fld>
             <a:endParaRPr lang="nl-NL"/>
           </a:p>
@@ -2330,9 +2330,9 @@
           <a:bodyPr/>
           <a:lstStyle/>
           <a:p>
-            <a:fld id="{F52CA13D-CC20-034F-8D4D-5C3038626ED9}" type="datetime1">
+            <a:fld id="{EE55F63B-E5C2-47C9-B767-96A09BC63624}" type="datetime1">
               <a:rPr lang="nl-BE" smtClean="0"/>
-              <a:t>21/09/2025</a:t>
+              <a:t>28/09/2025</a:t>
             </a:fld>
             <a:endParaRPr lang="nl-NL"/>
           </a:p>
@@ -3563,9 +3563,9 @@
           <a:bodyPr/>
           <a:lstStyle/>
           <a:p>
-            <a:fld id="{F52CA13D-CC20-034F-8D4D-5C3038626ED9}" type="datetime1">
+            <a:fld id="{0445AAF3-F212-43BB-932B-DD1A31841819}" type="datetime1">
               <a:rPr lang="nl-BE" smtClean="0"/>
-              <a:t>21/09/2025</a:t>
+              <a:t>28/09/2025</a:t>
             </a:fld>
             <a:endParaRPr lang="nl-NL"/>
           </a:p>
@@ -3784,9 +3784,9 @@
           <a:bodyPr/>
           <a:lstStyle/>
           <a:p>
-            <a:fld id="{F52CA13D-CC20-034F-8D4D-5C3038626ED9}" type="datetime1">
+            <a:fld id="{215EBCC0-C3A3-417F-962F-876AE60FF46F}" type="datetime1">
               <a:rPr lang="nl-BE" smtClean="0"/>
-              <a:t>21/09/2025</a:t>
+              <a:t>28/09/2025</a:t>
             </a:fld>
             <a:endParaRPr lang="nl-NL"/>
           </a:p>
@@ -4075,9 +4075,9 @@
           <a:bodyPr/>
           <a:lstStyle/>
           <a:p>
-            <a:fld id="{F52CA13D-CC20-034F-8D4D-5C3038626ED9}" type="datetime1">
+            <a:fld id="{5087A35E-C6EC-4A6C-A286-9B263B20AC20}" type="datetime1">
               <a:rPr lang="nl-BE" smtClean="0"/>
-              <a:t>21/09/2025</a:t>
+              <a:t>28/09/2025</a:t>
             </a:fld>
             <a:endParaRPr lang="nl-NL"/>
           </a:p>
@@ -4329,9 +4329,9 @@
           <a:bodyPr/>
           <a:lstStyle/>
           <a:p>
-            <a:fld id="{F52CA13D-CC20-034F-8D4D-5C3038626ED9}" type="datetime1">
+            <a:fld id="{4B9B00E3-DE57-4EA4-A886-8AA88F9577D7}" type="datetime1">
               <a:rPr lang="nl-BE" smtClean="0"/>
-              <a:t>21/09/2025</a:t>
+              <a:t>28/09/2025</a:t>
             </a:fld>
             <a:endParaRPr lang="nl-NL"/>
           </a:p>
@@ -4542,9 +4542,9 @@
           <a:bodyPr/>
           <a:lstStyle/>
           <a:p>
-            <a:fld id="{D15822B7-9EF6-9542-AF10-CD505E021A84}" type="datetime1">
+            <a:fld id="{1631A466-BC4F-407D-A3EA-76F6655478F0}" type="datetime1">
               <a:rPr lang="nl-BE" smtClean="0"/>
-              <a:t>21/09/2025</a:t>
+              <a:t>28/09/2025</a:t>
             </a:fld>
             <a:endParaRPr lang="nl-NL"/>
           </a:p>
@@ -4733,9 +4733,9 @@
           <a:bodyPr/>
           <a:lstStyle/>
           <a:p>
-            <a:fld id="{D15822B7-9EF6-9542-AF10-CD505E021A84}" type="datetime1">
+            <a:fld id="{7CF5F32B-E94B-420F-86D9-59A9E32E05E1}" type="datetime1">
               <a:rPr lang="nl-BE" smtClean="0"/>
-              <a:t>21/09/2025</a:t>
+              <a:t>28/09/2025</a:t>
             </a:fld>
             <a:endParaRPr lang="nl-NL"/>
           </a:p>
@@ -5091,9 +5091,9 @@
             </a:lvl1pPr>
           </a:lstStyle>
           <a:p>
-            <a:fld id="{0C33DDE8-63FF-C642-9F3A-0B773DD34821}" type="datetime1">
+            <a:fld id="{341CC9F9-C2CE-4031-804C-1F2576E1A82A}" type="datetime1">
               <a:rPr lang="nl-BE" smtClean="0"/>
-              <a:t>21/09/2025</a:t>
+              <a:t>28/09/2025</a:t>
             </a:fld>
             <a:endParaRPr lang="nl-NL"/>
           </a:p>
@@ -5229,7 +5229,7 @@
     <p:sldLayoutId id="2147483670" r:id="rId12"/>
     <p:sldLayoutId id="2147483651" r:id="rId13"/>
   </p:sldLayoutIdLst>
-  <p:hf hdr="0" ftr="0" dt="0"/>
+  <p:hf hdr="0" dt="0"/>
   <p:txStyles>
     <p:titleStyle>
       <a:lvl1pPr algn="l" defTabSz="914400" rtl="0" eaLnBrk="1" latinLnBrk="0" hangingPunct="1">
@@ -6297,26 +6297,6 @@
 </file>
 
 <file path=customXml/item1.xml><?xml version="1.0" encoding="utf-8"?>
-<p:properties xmlns:p="http://schemas.microsoft.com/office/2006/metadata/properties" xmlns:xsi="http://www.w3.org/2001/XMLSchema-instance" xmlns:pc="http://schemas.microsoft.com/office/infopath/2007/PartnerControls">
-  <documentManagement>
-    <lcf76f155ced4ddcb4097134ff3c332f xmlns="81d41a3b-f33d-4db6-b532-757106a7a2ae">
-      <Terms xmlns="http://schemas.microsoft.com/office/infopath/2007/PartnerControls"/>
-    </lcf76f155ced4ddcb4097134ff3c332f>
-    <TaxCatchAll xmlns="bf25a9bf-a811-4965-9d0a-b88059080fed" xsi:nil="true"/>
-  </documentManagement>
-</p:properties>
-</file>
-
-<file path=customXml/item2.xml><?xml version="1.0" encoding="utf-8"?>
-<?mso-contentType ?>
-<FormTemplates xmlns="http://schemas.microsoft.com/sharepoint/v3/contenttype/forms">
-  <Display>DocumentLibraryForm</Display>
-  <Edit>DocumentLibraryForm</Edit>
-  <New>DocumentLibraryForm</New>
-</FormTemplates>
-</file>
-
-<file path=customXml/item3.xml><?xml version="1.0" encoding="utf-8"?>
 <ct:contentTypeSchema xmlns:ct="http://schemas.microsoft.com/office/2006/metadata/contentType" xmlns:ma="http://schemas.microsoft.com/office/2006/metadata/properties/metaAttributes" ct:_="" ma:_="" ma:contentTypeName="Document" ma:contentTypeID="0x010100B8C495A181F81B4C9DE5AD85CD0F70D4" ma:contentTypeVersion="18" ma:contentTypeDescription="Een nieuw document maken." ma:contentTypeScope="" ma:versionID="6ba28a59cba4a02a693681f32745d77b">
   <xsd:schema xmlns:xsd="http://www.w3.org/2001/XMLSchema" xmlns:xs="http://www.w3.org/2001/XMLSchema" xmlns:p="http://schemas.microsoft.com/office/2006/metadata/properties" xmlns:ns2="81d41a3b-f33d-4db6-b532-757106a7a2ae" xmlns:ns3="bf25a9bf-a811-4965-9d0a-b88059080fed" targetNamespace="http://schemas.microsoft.com/office/2006/metadata/properties" ma:root="true" ma:fieldsID="b996b4a4c0d83f5cfec71b22aba921d2" ns2:_="" ns3:_="">
     <xsd:import namespace="81d41a3b-f33d-4db6-b532-757106a7a2ae"/>
@@ -6571,32 +6551,27 @@
 </ct:contentTypeSchema>
 </file>
 
-<file path=customXml/itemProps1.xml><?xml version="1.0" encoding="utf-8"?>
-<ds:datastoreItem xmlns:ds="http://schemas.openxmlformats.org/officeDocument/2006/customXml" ds:itemID="{5EE9034D-0B43-4AB0-9535-9A62DB37A999}">
-  <ds:schemaRefs>
-    <ds:schemaRef ds:uri="http://www.w3.org/XML/1998/namespace"/>
-    <ds:schemaRef ds:uri="81d41a3b-f33d-4db6-b532-757106a7a2ae"/>
-    <ds:schemaRef ds:uri="http://purl.org/dc/dcmitype/"/>
-    <ds:schemaRef ds:uri="http://purl.org/dc/elements/1.1/"/>
-    <ds:schemaRef ds:uri="http://schemas.microsoft.com/office/2006/documentManagement/types"/>
-    <ds:schemaRef ds:uri="bf25a9bf-a811-4965-9d0a-b88059080fed"/>
-    <ds:schemaRef ds:uri="http://purl.org/dc/terms/"/>
-    <ds:schemaRef ds:uri="http://schemas.microsoft.com/office/infopath/2007/PartnerControls"/>
-    <ds:schemaRef ds:uri="http://schemas.openxmlformats.org/package/2006/metadata/core-properties"/>
-    <ds:schemaRef ds:uri="http://schemas.microsoft.com/office/2006/metadata/properties"/>
-  </ds:schemaRefs>
-</ds:datastoreItem>
+<file path=customXml/item2.xml><?xml version="1.0" encoding="utf-8"?>
+<?mso-contentType ?>
+<FormTemplates xmlns="http://schemas.microsoft.com/sharepoint/v3/contenttype/forms">
+  <Display>DocumentLibraryForm</Display>
+  <Edit>DocumentLibraryForm</Edit>
+  <New>DocumentLibraryForm</New>
+</FormTemplates>
 </file>
 
-<file path=customXml/itemProps2.xml><?xml version="1.0" encoding="utf-8"?>
-<ds:datastoreItem xmlns:ds="http://schemas.openxmlformats.org/officeDocument/2006/customXml" ds:itemID="{263A7949-1B93-457F-8888-53CC8A016F77}">
-  <ds:schemaRefs>
-    <ds:schemaRef ds:uri="http://schemas.microsoft.com/sharepoint/v3/contenttype/forms"/>
-  </ds:schemaRefs>
-</ds:datastoreItem>
+<file path=customXml/item3.xml><?xml version="1.0" encoding="utf-8"?>
+<p:properties xmlns:p="http://schemas.microsoft.com/office/2006/metadata/properties" xmlns:xsi="http://www.w3.org/2001/XMLSchema-instance" xmlns:pc="http://schemas.microsoft.com/office/infopath/2007/PartnerControls">
+  <documentManagement>
+    <lcf76f155ced4ddcb4097134ff3c332f xmlns="81d41a3b-f33d-4db6-b532-757106a7a2ae">
+      <Terms xmlns="http://schemas.microsoft.com/office/infopath/2007/PartnerControls"/>
+    </lcf76f155ced4ddcb4097134ff3c332f>
+    <TaxCatchAll xmlns="bf25a9bf-a811-4965-9d0a-b88059080fed" xsi:nil="true"/>
+  </documentManagement>
+</p:properties>
 </file>
 
-<file path=customXml/itemProps3.xml><?xml version="1.0" encoding="utf-8"?>
+<file path=customXml/itemProps1.xml><?xml version="1.0" encoding="utf-8"?>
 <ds:datastoreItem xmlns:ds="http://schemas.openxmlformats.org/officeDocument/2006/customXml" ds:itemID="{2A270F01-48F1-4A41-8E26-ACAC66896963}">
   <ds:schemaRefs>
     <ds:schemaRef ds:uri="http://schemas.microsoft.com/office/2006/metadata/contentType"/>
@@ -6613,4 +6588,29 @@
     <ds:schemaRef ds:uri="http://schemas.microsoft.com/internal/obd"/>
   </ds:schemaRefs>
 </ds:datastoreItem>
+</file>
+
+<file path=customXml/itemProps2.xml><?xml version="1.0" encoding="utf-8"?>
+<ds:datastoreItem xmlns:ds="http://schemas.openxmlformats.org/officeDocument/2006/customXml" ds:itemID="{263A7949-1B93-457F-8888-53CC8A016F77}">
+  <ds:schemaRefs>
+    <ds:schemaRef ds:uri="http://schemas.microsoft.com/sharepoint/v3/contenttype/forms"/>
+  </ds:schemaRefs>
+</ds:datastoreItem>
+</file>
+
+<file path=customXml/itemProps3.xml><?xml version="1.0" encoding="utf-8"?>
+<ds:datastoreItem xmlns:ds="http://schemas.openxmlformats.org/officeDocument/2006/customXml" ds:itemID="{5EE9034D-0B43-4AB0-9535-9A62DB37A999}">
+  <ds:schemaRefs>
+    <ds:schemaRef ds:uri="http://www.w3.org/XML/1998/namespace"/>
+    <ds:schemaRef ds:uri="81d41a3b-f33d-4db6-b532-757106a7a2ae"/>
+    <ds:schemaRef ds:uri="http://purl.org/dc/dcmitype/"/>
+    <ds:schemaRef ds:uri="http://purl.org/dc/elements/1.1/"/>
+    <ds:schemaRef ds:uri="http://schemas.microsoft.com/office/2006/documentManagement/types"/>
+    <ds:schemaRef ds:uri="bf25a9bf-a811-4965-9d0a-b88059080fed"/>
+    <ds:schemaRef ds:uri="http://purl.org/dc/terms/"/>
+    <ds:schemaRef ds:uri="http://schemas.microsoft.com/office/infopath/2007/PartnerControls"/>
+    <ds:schemaRef ds:uri="http://schemas.openxmlformats.org/package/2006/metadata/core-properties"/>
+    <ds:schemaRef ds:uri="http://schemas.microsoft.com/office/2006/metadata/properties"/>
+  </ds:schemaRefs>
+</ds:datastoreItem>
 </file>